--- a/figures/liquid_sim_supp.pptx
+++ b/figures/liquid_sim_supp.pptx
@@ -104,6 +104,11 @@
       </a:defRPr>
     </a:lvl9pPr>
   </p:defaultTextStyle>
+  <p:extLst>
+    <p:ext uri="{EFAFB233-063F-42B5-8137-9DF3F51BA10A}">
+      <p15:sldGuideLst xmlns:p15="http://schemas.microsoft.com/office/powerpoint/2012/main"/>
+    </p:ext>
+  </p:extLst>
 </p:presentation>
 </file>
 
@@ -238,7 +243,7 @@
           <a:p>
             <a:fld id="{F1BA58C0-6A71-4247-98D2-FA17A342258E}" type="datetimeFigureOut">
               <a:rPr lang="en-US" smtClean="0"/>
-              <a:t>4/17/25</a:t>
+              <a:t>5/26/25</a:t>
             </a:fld>
             <a:endParaRPr lang="en-US"/>
           </a:p>
@@ -408,7 +413,7 @@
           <a:p>
             <a:fld id="{F1BA58C0-6A71-4247-98D2-FA17A342258E}" type="datetimeFigureOut">
               <a:rPr lang="en-US" smtClean="0"/>
-              <a:t>4/17/25</a:t>
+              <a:t>5/26/25</a:t>
             </a:fld>
             <a:endParaRPr lang="en-US"/>
           </a:p>
@@ -588,7 +593,7 @@
           <a:p>
             <a:fld id="{F1BA58C0-6A71-4247-98D2-FA17A342258E}" type="datetimeFigureOut">
               <a:rPr lang="en-US" smtClean="0"/>
-              <a:t>4/17/25</a:t>
+              <a:t>5/26/25</a:t>
             </a:fld>
             <a:endParaRPr lang="en-US"/>
           </a:p>
@@ -758,7 +763,7 @@
           <a:p>
             <a:fld id="{F1BA58C0-6A71-4247-98D2-FA17A342258E}" type="datetimeFigureOut">
               <a:rPr lang="en-US" smtClean="0"/>
-              <a:t>4/17/25</a:t>
+              <a:t>5/26/25</a:t>
             </a:fld>
             <a:endParaRPr lang="en-US"/>
           </a:p>
@@ -1004,7 +1009,7 @@
           <a:p>
             <a:fld id="{F1BA58C0-6A71-4247-98D2-FA17A342258E}" type="datetimeFigureOut">
               <a:rPr lang="en-US" smtClean="0"/>
-              <a:t>4/17/25</a:t>
+              <a:t>5/26/25</a:t>
             </a:fld>
             <a:endParaRPr lang="en-US"/>
           </a:p>
@@ -1236,7 +1241,7 @@
           <a:p>
             <a:fld id="{F1BA58C0-6A71-4247-98D2-FA17A342258E}" type="datetimeFigureOut">
               <a:rPr lang="en-US" smtClean="0"/>
-              <a:t>4/17/25</a:t>
+              <a:t>5/26/25</a:t>
             </a:fld>
             <a:endParaRPr lang="en-US"/>
           </a:p>
@@ -1603,7 +1608,7 @@
           <a:p>
             <a:fld id="{F1BA58C0-6A71-4247-98D2-FA17A342258E}" type="datetimeFigureOut">
               <a:rPr lang="en-US" smtClean="0"/>
-              <a:t>4/17/25</a:t>
+              <a:t>5/26/25</a:t>
             </a:fld>
             <a:endParaRPr lang="en-US"/>
           </a:p>
@@ -1721,7 +1726,7 @@
           <a:p>
             <a:fld id="{F1BA58C0-6A71-4247-98D2-FA17A342258E}" type="datetimeFigureOut">
               <a:rPr lang="en-US" smtClean="0"/>
-              <a:t>4/17/25</a:t>
+              <a:t>5/26/25</a:t>
             </a:fld>
             <a:endParaRPr lang="en-US"/>
           </a:p>
@@ -1816,7 +1821,7 @@
           <a:p>
             <a:fld id="{F1BA58C0-6A71-4247-98D2-FA17A342258E}" type="datetimeFigureOut">
               <a:rPr lang="en-US" smtClean="0"/>
-              <a:t>4/17/25</a:t>
+              <a:t>5/26/25</a:t>
             </a:fld>
             <a:endParaRPr lang="en-US"/>
           </a:p>
@@ -2093,7 +2098,7 @@
           <a:p>
             <a:fld id="{F1BA58C0-6A71-4247-98D2-FA17A342258E}" type="datetimeFigureOut">
               <a:rPr lang="en-US" smtClean="0"/>
-              <a:t>4/17/25</a:t>
+              <a:t>5/26/25</a:t>
             </a:fld>
             <a:endParaRPr lang="en-US"/>
           </a:p>
@@ -2350,7 +2355,7 @@
           <a:p>
             <a:fld id="{F1BA58C0-6A71-4247-98D2-FA17A342258E}" type="datetimeFigureOut">
               <a:rPr lang="en-US" smtClean="0"/>
-              <a:t>4/17/25</a:t>
+              <a:t>5/26/25</a:t>
             </a:fld>
             <a:endParaRPr lang="en-US"/>
           </a:p>
@@ -2563,7 +2568,7 @@
           <a:p>
             <a:fld id="{F1BA58C0-6A71-4247-98D2-FA17A342258E}" type="datetimeFigureOut">
               <a:rPr lang="en-US" smtClean="0"/>
-              <a:t>4/17/25</a:t>
+              <a:t>5/26/25</a:t>
             </a:fld>
             <a:endParaRPr lang="en-US"/>
           </a:p>
@@ -3064,7 +3069,7 @@
                 <a:latin typeface="Arial" panose="020B0604020202020204" pitchFamily="34" charset="0"/>
                 <a:cs typeface="Arial" panose="020B0604020202020204" pitchFamily="34" charset="0"/>
               </a:rPr>
-              <a:t>beta_jan22</a:t>
+              <a:t>beta_jan25</a:t>
             </a:r>
           </a:p>
         </p:txBody>
@@ -3160,7 +3165,7 @@
           <p:nvPr>
             <p:extLst>
               <p:ext uri="{D42A27DB-BD31-4B8C-83A1-F6EECF244321}">
-                <p14:modId xmlns:p14="http://schemas.microsoft.com/office/powerpoint/2010/main" val="3578125356"/>
+                <p14:modId xmlns:p14="http://schemas.microsoft.com/office/powerpoint/2010/main" val="2639513424"/>
               </p:ext>
             </p:extLst>
           </p:nvPr>
@@ -3469,7 +3474,7 @@
                           <a:latin typeface="Arial" panose="020B0604020202020204" pitchFamily="34" charset="0"/>
                           <a:cs typeface="Arial" panose="020B0604020202020204" pitchFamily="34" charset="0"/>
                         </a:rPr>
-                        <a:t>beta_jan22</a:t>
+                        <a:t>beta_jan25</a:t>
                       </a:r>
                     </a:p>
                   </a:txBody>
